--- a/tomcat-study/tomcat-demo/src/main/java/resources/Tomcat Thrad moudel.pptx
+++ b/tomcat-study/tomcat-demo/src/main/java/resources/Tomcat Thrad moudel.pptx
@@ -6,6 +6,7 @@
   </p:sldMasterIdLst>
   <p:sldIdLst>
     <p:sldId id="256" r:id="rId2"/>
+    <p:sldId id="257" r:id="rId3"/>
   </p:sldIdLst>
   <p:sldSz cx="12192000" cy="6858000"/>
   <p:notesSz cx="6858000" cy="9144000"/>
@@ -104,6 +105,11 @@
       </a:defRPr>
     </a:lvl9pPr>
   </p:defaultTextStyle>
+  <p:extLst>
+    <p:ext uri="{EFAFB233-063F-42B5-8137-9DF3F51BA10A}">
+      <p15:sldGuideLst xmlns:p15="http://schemas.microsoft.com/office/powerpoint/2012/main"/>
+    </p:ext>
+  </p:extLst>
 </p:presentation>
 </file>
 
@@ -2966,13 +2972,13 @@
       </p:grpSpPr>
       <p:sp>
         <p:nvSpPr>
-          <p:cNvPr id="4" name="Rectangle 3"/>
+          <p:cNvPr id="8" name="Rectangle 7"/>
           <p:cNvSpPr/>
           <p:nvPr/>
         </p:nvSpPr>
         <p:spPr>
           <a:xfrm>
-            <a:off x="4022043" y="163158"/>
+            <a:off x="3934325" y="141546"/>
             <a:ext cx="931472" cy="389562"/>
           </a:xfrm>
           <a:prstGeom prst="rect">
@@ -3001,10 +3007,9 @@
           <a:p>
             <a:pPr algn="ctr"/>
             <a:r>
-              <a:rPr lang="en-US" sz="1000" dirty="0" err="1" smtClean="0"/>
-              <a:t>StrandService</a:t>
-            </a:r>
-            <a:endParaRPr lang="en-US" sz="1000" dirty="0" smtClean="0"/>
+              <a:rPr lang="en-US" sz="1000" dirty="0" smtClean="0"/>
+              <a:t>Connector</a:t>
+            </a:r>
           </a:p>
           <a:p>
             <a:pPr algn="ctr"/>
@@ -3018,14 +3023,14 @@
       </p:sp>
       <p:sp>
         <p:nvSpPr>
-          <p:cNvPr id="8" name="Rectangle 7"/>
+          <p:cNvPr id="9" name="Rectangle 8"/>
           <p:cNvSpPr/>
           <p:nvPr/>
         </p:nvSpPr>
         <p:spPr>
           <a:xfrm>
-            <a:off x="5086838" y="163158"/>
-            <a:ext cx="931472" cy="389562"/>
+            <a:off x="5065293" y="141546"/>
+            <a:ext cx="1051788" cy="389562"/>
           </a:xfrm>
           <a:prstGeom prst="rect">
             <a:avLst/>
@@ -3053,9 +3058,10 @@
           <a:p>
             <a:pPr algn="ctr"/>
             <a:r>
-              <a:rPr lang="en-US" sz="1000" dirty="0" smtClean="0"/>
-              <a:t>Connector</a:t>
-            </a:r>
+              <a:rPr lang="en-US" sz="1000" dirty="0" err="1" smtClean="0"/>
+              <a:t>ProtocolHandler</a:t>
+            </a:r>
+            <a:endParaRPr lang="en-US" sz="1000" dirty="0" smtClean="0"/>
           </a:p>
           <a:p>
             <a:pPr algn="ctr"/>
@@ -3069,13 +3075,13 @@
       </p:sp>
       <p:sp>
         <p:nvSpPr>
-          <p:cNvPr id="9" name="Rectangle 8"/>
+          <p:cNvPr id="10" name="Rectangle 9"/>
           <p:cNvSpPr/>
           <p:nvPr/>
         </p:nvSpPr>
         <p:spPr>
           <a:xfrm>
-            <a:off x="6217806" y="163158"/>
+            <a:off x="6270971" y="141546"/>
             <a:ext cx="1051788" cy="389562"/>
           </a:xfrm>
           <a:prstGeom prst="rect">
@@ -3104,10 +3110,9 @@
           <a:p>
             <a:pPr algn="ctr"/>
             <a:r>
-              <a:rPr lang="en-US" sz="1000" dirty="0" err="1" smtClean="0"/>
-              <a:t>ProtocolHandler</a:t>
-            </a:r>
-            <a:endParaRPr lang="en-US" sz="1000" dirty="0" smtClean="0"/>
+              <a:rPr lang="en-US" sz="1000" dirty="0" smtClean="0"/>
+              <a:t>Endpoint</a:t>
+            </a:r>
           </a:p>
           <a:p>
             <a:pPr algn="ctr"/>
@@ -3121,14 +3126,14 @@
       </p:sp>
       <p:sp>
         <p:nvSpPr>
-          <p:cNvPr id="10" name="Rectangle 9"/>
+          <p:cNvPr id="11" name="Rectangle 10"/>
           <p:cNvSpPr/>
           <p:nvPr/>
         </p:nvSpPr>
         <p:spPr>
           <a:xfrm>
-            <a:off x="7423484" y="163158"/>
-            <a:ext cx="1051788" cy="389562"/>
+            <a:off x="290407" y="2171699"/>
+            <a:ext cx="601579" cy="1299410"/>
           </a:xfrm>
           <a:prstGeom prst="rect">
             <a:avLst/>
@@ -3156,30 +3161,23 @@
           <a:p>
             <a:pPr algn="ctr"/>
             <a:r>
-              <a:rPr lang="en-US" sz="1000" dirty="0" smtClean="0"/>
-              <a:t>Endpoint</a:t>
-            </a:r>
-          </a:p>
-          <a:p>
-            <a:pPr algn="ctr"/>
-            <a:r>
-              <a:rPr lang="en-US" sz="1000" dirty="0" smtClean="0"/>
-              <a:t>start</a:t>
-            </a:r>
-            <a:endParaRPr lang="en-US" sz="1000" dirty="0"/>
-          </a:p>
-        </p:txBody>
-      </p:sp>
-      <p:sp>
-        <p:nvSpPr>
-          <p:cNvPr id="11" name="Rectangle 10"/>
+              <a:rPr lang="en-US" sz="1200" dirty="0" smtClean="0"/>
+              <a:t>client</a:t>
+            </a:r>
+            <a:endParaRPr lang="en-US" sz="1200" dirty="0"/>
+          </a:p>
+        </p:txBody>
+      </p:sp>
+      <p:sp>
+        <p:nvSpPr>
+          <p:cNvPr id="12" name="Rectangle 11"/>
           <p:cNvSpPr/>
           <p:nvPr/>
         </p:nvSpPr>
         <p:spPr>
           <a:xfrm>
-            <a:off x="146028" y="2171699"/>
-            <a:ext cx="601579" cy="1299410"/>
+            <a:off x="9011653" y="2171699"/>
+            <a:ext cx="2658979" cy="3302344"/>
           </a:xfrm>
           <a:prstGeom prst="rect">
             <a:avLst/>
@@ -3206,24 +3204,20 @@
           <a:lstStyle/>
           <a:p>
             <a:pPr algn="ctr"/>
-            <a:r>
-              <a:rPr lang="en-US" sz="1200" dirty="0" smtClean="0"/>
-              <a:t>client</a:t>
-            </a:r>
             <a:endParaRPr lang="en-US" sz="1200" dirty="0"/>
           </a:p>
         </p:txBody>
       </p:sp>
       <p:sp>
         <p:nvSpPr>
-          <p:cNvPr id="12" name="Rectangle 11"/>
+          <p:cNvPr id="15" name="Rectangle 14"/>
           <p:cNvSpPr/>
           <p:nvPr/>
         </p:nvSpPr>
         <p:spPr>
           <a:xfrm>
-            <a:off x="9011653" y="2171699"/>
-            <a:ext cx="1034715" cy="1299410"/>
+            <a:off x="5239266" y="2171699"/>
+            <a:ext cx="2815875" cy="3302344"/>
           </a:xfrm>
           <a:prstGeom prst="rect">
             <a:avLst/>
@@ -3250,24 +3244,20 @@
           <a:lstStyle/>
           <a:p>
             <a:pPr algn="ctr"/>
-            <a:r>
-              <a:rPr lang="en-US" sz="1200" dirty="0" err="1" smtClean="0"/>
-              <a:t>Exceutor</a:t>
-            </a:r>
-            <a:endParaRPr lang="en-US" sz="1200" dirty="0"/>
-          </a:p>
-        </p:txBody>
-      </p:sp>
-      <p:sp>
-        <p:nvSpPr>
-          <p:cNvPr id="15" name="Rectangle 14"/>
+            <a:endParaRPr lang="en-US" sz="1200" dirty="0" smtClean="0"/>
+          </a:p>
+        </p:txBody>
+      </p:sp>
+      <p:sp>
+        <p:nvSpPr>
+          <p:cNvPr id="16" name="Rectangle 15"/>
           <p:cNvSpPr/>
           <p:nvPr/>
         </p:nvSpPr>
         <p:spPr>
           <a:xfrm>
-            <a:off x="5161060" y="2171699"/>
-            <a:ext cx="1714499" cy="1299410"/>
+            <a:off x="1718284" y="2171699"/>
+            <a:ext cx="2382006" cy="3302344"/>
           </a:xfrm>
           <a:prstGeom prst="rect">
             <a:avLst/>
@@ -3294,54 +3284,7 @@
           <a:lstStyle/>
           <a:p>
             <a:pPr algn="ctr"/>
-            <a:r>
-              <a:rPr lang="en-US" sz="1200" dirty="0" err="1" smtClean="0"/>
-              <a:t>Pooller</a:t>
-            </a:r>
             <a:endParaRPr lang="en-US" sz="1200" dirty="0" smtClean="0"/>
-          </a:p>
-        </p:txBody>
-      </p:sp>
-      <p:sp>
-        <p:nvSpPr>
-          <p:cNvPr id="16" name="Rectangle 15"/>
-          <p:cNvSpPr/>
-          <p:nvPr/>
-        </p:nvSpPr>
-        <p:spPr>
-          <a:xfrm>
-            <a:off x="1760880" y="2171699"/>
-            <a:ext cx="1424967" cy="1299410"/>
-          </a:xfrm>
-          <a:prstGeom prst="rect">
-            <a:avLst/>
-          </a:prstGeom>
-        </p:spPr>
-        <p:style>
-          <a:lnRef idx="2">
-            <a:schemeClr val="accent1">
-              <a:shade val="50000"/>
-            </a:schemeClr>
-          </a:lnRef>
-          <a:fillRef idx="1">
-            <a:schemeClr val="accent1"/>
-          </a:fillRef>
-          <a:effectRef idx="0">
-            <a:schemeClr val="accent1"/>
-          </a:effectRef>
-          <a:fontRef idx="minor">
-            <a:schemeClr val="lt1"/>
-          </a:fontRef>
-        </p:style>
-        <p:txBody>
-          <a:bodyPr rtlCol="0" anchor="ctr"/>
-          <a:lstStyle/>
-          <a:p>
-            <a:pPr algn="ctr"/>
-            <a:r>
-              <a:rPr lang="en-US" sz="1200" dirty="0" smtClean="0"/>
-              <a:t>Acceptor</a:t>
-            </a:r>
           </a:p>
         </p:txBody>
       </p:sp>
@@ -3356,8 +3299,8 @@
         </p:nvCxnSpPr>
         <p:spPr>
           <a:xfrm>
-            <a:off x="3185847" y="2821404"/>
-            <a:ext cx="1975213" cy="0"/>
+            <a:off x="4100290" y="3822871"/>
+            <a:ext cx="1138976" cy="0"/>
           </a:xfrm>
           <a:prstGeom prst="straightConnector1">
             <a:avLst/>
@@ -3392,8 +3335,8 @@
         </p:nvCxnSpPr>
         <p:spPr>
           <a:xfrm>
-            <a:off x="6875559" y="2821404"/>
-            <a:ext cx="2136094" cy="0"/>
+            <a:off x="8055141" y="3822871"/>
+            <a:ext cx="956512" cy="0"/>
           </a:xfrm>
           <a:prstGeom prst="straightConnector1">
             <a:avLst/>
@@ -3425,8 +3368,8 @@
         </p:nvSpPr>
         <p:spPr>
           <a:xfrm>
-            <a:off x="3719507" y="2452072"/>
-            <a:ext cx="806117" cy="369332"/>
+            <a:off x="4100289" y="3621931"/>
+            <a:ext cx="1227954" cy="246221"/>
           </a:xfrm>
           <a:prstGeom prst="rect">
             <a:avLst/>
@@ -3440,10 +3383,10 @@
           <a:lstStyle/>
           <a:p>
             <a:r>
-              <a:rPr lang="en-US" dirty="0" err="1" smtClean="0"/>
-              <a:t>Socker</a:t>
-            </a:r>
-            <a:endParaRPr lang="en-US" dirty="0" smtClean="0"/>
+              <a:rPr lang="en-US" sz="1000" b="1" dirty="0" err="1" smtClean="0"/>
+              <a:t>NioSocketWrapper</a:t>
+            </a:r>
+            <a:endParaRPr lang="en-US" sz="1000" b="1" dirty="0" smtClean="0"/>
           </a:p>
         </p:txBody>
       </p:sp>
@@ -3455,8 +3398,8 @@
         </p:nvSpPr>
         <p:spPr>
           <a:xfrm>
-            <a:off x="7576886" y="2452072"/>
-            <a:ext cx="806117" cy="369332"/>
+            <a:off x="7872676" y="3606341"/>
+            <a:ext cx="1321441" cy="246221"/>
           </a:xfrm>
           <a:prstGeom prst="rect">
             <a:avLst/>
@@ -3470,10 +3413,1420 @@
           <a:lstStyle/>
           <a:p>
             <a:r>
-              <a:rPr lang="en-US" dirty="0" err="1" smtClean="0"/>
+              <a:rPr lang="en-US" sz="1000" b="1" dirty="0" err="1" smtClean="0"/>
+              <a:t>SocketProcessorBase</a:t>
+            </a:r>
+            <a:endParaRPr lang="en-US" sz="1000" b="1" dirty="0" smtClean="0"/>
+          </a:p>
+        </p:txBody>
+      </p:sp>
+      <p:sp>
+        <p:nvSpPr>
+          <p:cNvPr id="47" name="TextBox 46"/>
+          <p:cNvSpPr txBox="1"/>
+          <p:nvPr/>
+        </p:nvSpPr>
+        <p:spPr>
+          <a:xfrm>
+            <a:off x="2443304" y="1899849"/>
+            <a:ext cx="823269" cy="246221"/>
+          </a:xfrm>
+          <a:prstGeom prst="rect">
+            <a:avLst/>
+          </a:prstGeom>
+          <a:noFill/>
+        </p:spPr>
+        <p:txBody>
+          <a:bodyPr wrap="square" rtlCol="0">
+            <a:spAutoFit/>
+          </a:bodyPr>
+          <a:lstStyle/>
+          <a:p>
+            <a:r>
+              <a:rPr lang="en-US" sz="1000" b="1" dirty="0" smtClean="0"/>
+              <a:t>Acceptor</a:t>
+            </a:r>
+          </a:p>
+        </p:txBody>
+      </p:sp>
+      <p:sp>
+        <p:nvSpPr>
+          <p:cNvPr id="48" name="TextBox 47"/>
+          <p:cNvSpPr txBox="1"/>
+          <p:nvPr/>
+        </p:nvSpPr>
+        <p:spPr>
+          <a:xfrm>
+            <a:off x="6377874" y="1914739"/>
+            <a:ext cx="538658" cy="246221"/>
+          </a:xfrm>
+          <a:prstGeom prst="rect">
+            <a:avLst/>
+          </a:prstGeom>
+          <a:noFill/>
+        </p:spPr>
+        <p:txBody>
+          <a:bodyPr wrap="square" rtlCol="0">
+            <a:spAutoFit/>
+          </a:bodyPr>
+          <a:lstStyle/>
+          <a:p>
+            <a:r>
+              <a:rPr lang="en-US" sz="1000" b="1" dirty="0" err="1" smtClean="0"/>
+              <a:t>Poller</a:t>
+            </a:r>
+            <a:endParaRPr lang="en-US" sz="1000" b="1" dirty="0" smtClean="0"/>
+          </a:p>
+        </p:txBody>
+      </p:sp>
+      <p:sp>
+        <p:nvSpPr>
+          <p:cNvPr id="49" name="TextBox 48"/>
+          <p:cNvSpPr txBox="1"/>
+          <p:nvPr/>
+        </p:nvSpPr>
+        <p:spPr>
+          <a:xfrm>
+            <a:off x="9633229" y="1893112"/>
+            <a:ext cx="1644181" cy="246221"/>
+          </a:xfrm>
+          <a:prstGeom prst="rect">
+            <a:avLst/>
+          </a:prstGeom>
+          <a:noFill/>
+        </p:spPr>
+        <p:txBody>
+          <a:bodyPr wrap="square" rtlCol="0">
+            <a:spAutoFit/>
+          </a:bodyPr>
+          <a:lstStyle/>
+          <a:p>
+            <a:r>
+              <a:rPr lang="en-US" altLang="zh-CN" sz="1000" b="1" dirty="0" err="1" smtClean="0"/>
+              <a:t>Exceutor</a:t>
+            </a:r>
+            <a:r>
+              <a:rPr lang="zh-CN" altLang="en-US" sz="1000" b="1" dirty="0" smtClean="0"/>
+              <a:t>（</a:t>
+            </a:r>
+            <a:r>
+              <a:rPr lang="en-US" sz="1000" b="1" dirty="0" smtClean="0"/>
+              <a:t>Worker</a:t>
+            </a:r>
+            <a:r>
+              <a:rPr lang="zh-CN" altLang="en-US" sz="1000" b="1" dirty="0" smtClean="0"/>
+              <a:t>线程组）</a:t>
+            </a:r>
+            <a:endParaRPr lang="en-US" sz="1000" b="1" dirty="0" smtClean="0"/>
+          </a:p>
+        </p:txBody>
+      </p:sp>
+      <p:cxnSp>
+        <p:nvCxnSpPr>
+          <p:cNvPr id="54" name="Straight Arrow Connector 53"/>
+          <p:cNvCxnSpPr>
+            <a:endCxn id="4" idx="1"/>
+          </p:cNvCxnSpPr>
+          <p:nvPr/>
+        </p:nvCxnSpPr>
+        <p:spPr>
+          <a:xfrm>
+            <a:off x="891986" y="2367902"/>
+            <a:ext cx="1138225" cy="1"/>
+          </a:xfrm>
+          <a:prstGeom prst="straightConnector1">
+            <a:avLst/>
+          </a:prstGeom>
+          <a:ln>
+            <a:solidFill>
+              <a:schemeClr val="tx1"/>
+            </a:solidFill>
+            <a:tailEnd type="triangle"/>
+          </a:ln>
+        </p:spPr>
+        <p:style>
+          <a:lnRef idx="1">
+            <a:schemeClr val="accent1"/>
+          </a:lnRef>
+          <a:fillRef idx="0">
+            <a:schemeClr val="accent1"/>
+          </a:fillRef>
+          <a:effectRef idx="0">
+            <a:schemeClr val="accent1"/>
+          </a:effectRef>
+          <a:fontRef idx="minor">
+            <a:schemeClr val="tx1"/>
+          </a:fontRef>
+        </p:style>
+      </p:cxnSp>
+      <p:sp>
+        <p:nvSpPr>
+          <p:cNvPr id="4" name="Rectangle 3"/>
+          <p:cNvSpPr/>
+          <p:nvPr/>
+        </p:nvSpPr>
+        <p:spPr>
+          <a:xfrm>
+            <a:off x="2030211" y="2249244"/>
+            <a:ext cx="1236362" cy="237317"/>
+          </a:xfrm>
+          <a:prstGeom prst="rect">
+            <a:avLst/>
+          </a:prstGeom>
+          <a:solidFill>
+            <a:schemeClr val="accent4">
+              <a:lumMod val="75000"/>
+            </a:schemeClr>
+          </a:solidFill>
+        </p:spPr>
+        <p:style>
+          <a:lnRef idx="2">
+            <a:schemeClr val="accent1">
+              <a:shade val="50000"/>
+            </a:schemeClr>
+          </a:lnRef>
+          <a:fillRef idx="1">
+            <a:schemeClr val="accent1"/>
+          </a:fillRef>
+          <a:effectRef idx="0">
+            <a:schemeClr val="accent1"/>
+          </a:effectRef>
+          <a:fontRef idx="minor">
+            <a:schemeClr val="lt1"/>
+          </a:fontRef>
+        </p:style>
+        <p:txBody>
+          <a:bodyPr rtlCol="0" anchor="ctr"/>
+          <a:lstStyle/>
+          <a:p>
+            <a:pPr algn="ctr"/>
+            <a:r>
+              <a:rPr lang="en-US" sz="1000" dirty="0" smtClean="0"/>
+              <a:t>Socket(accept</a:t>
+            </a:r>
+            <a:r>
+              <a:rPr lang="zh-CN" altLang="en-US" sz="1000" dirty="0" smtClean="0"/>
+              <a:t>）</a:t>
+            </a:r>
+            <a:endParaRPr lang="en-US" sz="1000" dirty="0"/>
+          </a:p>
+        </p:txBody>
+      </p:sp>
+      <p:sp>
+        <p:nvSpPr>
+          <p:cNvPr id="60" name="Rectangle 59"/>
+          <p:cNvSpPr/>
+          <p:nvPr/>
+        </p:nvSpPr>
+        <p:spPr>
+          <a:xfrm>
+            <a:off x="2030211" y="2635300"/>
+            <a:ext cx="1236362" cy="237317"/>
+          </a:xfrm>
+          <a:prstGeom prst="rect">
+            <a:avLst/>
+          </a:prstGeom>
+          <a:solidFill>
+            <a:schemeClr val="accent4">
+              <a:lumMod val="75000"/>
+            </a:schemeClr>
+          </a:solidFill>
+        </p:spPr>
+        <p:style>
+          <a:lnRef idx="2">
+            <a:schemeClr val="accent1">
+              <a:shade val="50000"/>
+            </a:schemeClr>
+          </a:lnRef>
+          <a:fillRef idx="1">
+            <a:schemeClr val="accent1"/>
+          </a:fillRef>
+          <a:effectRef idx="0">
+            <a:schemeClr val="accent1"/>
+          </a:effectRef>
+          <a:fontRef idx="minor">
+            <a:schemeClr val="lt1"/>
+          </a:fontRef>
+        </p:style>
+        <p:txBody>
+          <a:bodyPr rtlCol="0" anchor="ctr"/>
+          <a:lstStyle/>
+          <a:p>
+            <a:pPr algn="ctr"/>
+            <a:r>
+              <a:rPr lang="en-US" altLang="zh-CN" sz="1000" dirty="0" err="1" smtClean="0"/>
+              <a:t>NioChannel</a:t>
+            </a:r>
+            <a:endParaRPr lang="en-US" sz="1000" dirty="0"/>
+          </a:p>
+        </p:txBody>
+      </p:sp>
+      <p:sp>
+        <p:nvSpPr>
+          <p:cNvPr id="63" name="Rectangle 62"/>
+          <p:cNvSpPr/>
+          <p:nvPr/>
+        </p:nvSpPr>
+        <p:spPr>
+          <a:xfrm>
+            <a:off x="2030210" y="3958388"/>
+            <a:ext cx="1904115" cy="1293395"/>
+          </a:xfrm>
+          <a:prstGeom prst="rect">
+            <a:avLst/>
+          </a:prstGeom>
+          <a:solidFill>
+            <a:schemeClr val="accent4">
+              <a:lumMod val="75000"/>
+            </a:schemeClr>
+          </a:solidFill>
+        </p:spPr>
+        <p:style>
+          <a:lnRef idx="2">
+            <a:schemeClr val="accent1">
+              <a:shade val="50000"/>
+            </a:schemeClr>
+          </a:lnRef>
+          <a:fillRef idx="1">
+            <a:schemeClr val="accent1"/>
+          </a:fillRef>
+          <a:effectRef idx="0">
+            <a:schemeClr val="accent1"/>
+          </a:effectRef>
+          <a:fontRef idx="minor">
+            <a:schemeClr val="lt1"/>
+          </a:fontRef>
+        </p:style>
+        <p:txBody>
+          <a:bodyPr rtlCol="0" anchor="ctr"/>
+          <a:lstStyle/>
+          <a:p>
+            <a:r>
+              <a:rPr lang="en-US" altLang="zh-CN" sz="1000" dirty="0" smtClean="0"/>
+              <a:t>1.</a:t>
+            </a:r>
+            <a:r>
+              <a:rPr lang="zh-CN" altLang="en-US" sz="1000" dirty="0" smtClean="0"/>
+              <a:t>设置</a:t>
+            </a:r>
+            <a:r>
+              <a:rPr lang="en-US" altLang="zh-CN" sz="1000" dirty="0" err="1" smtClean="0"/>
               <a:t>Socker</a:t>
             </a:r>
-            <a:endParaRPr lang="en-US" dirty="0" smtClean="0"/>
+            <a:r>
+              <a:rPr lang="zh-CN" altLang="en-US" sz="1000" dirty="0" smtClean="0"/>
+              <a:t>的超时时间，</a:t>
+            </a:r>
+            <a:endParaRPr lang="en-US" altLang="zh-CN" sz="1000" dirty="0" smtClean="0"/>
+          </a:p>
+          <a:p>
+            <a:r>
+              <a:rPr lang="en-US" altLang="zh-CN" sz="1000" dirty="0" smtClean="0"/>
+              <a:t>2.</a:t>
+            </a:r>
+            <a:r>
+              <a:rPr lang="zh-CN" altLang="en-US" sz="1000" dirty="0" smtClean="0"/>
+              <a:t>对</a:t>
+            </a:r>
+            <a:r>
+              <a:rPr lang="en-US" altLang="zh-CN" sz="1000" dirty="0" err="1" smtClean="0"/>
+              <a:t>Socker</a:t>
+            </a:r>
+            <a:r>
+              <a:rPr lang="zh-CN" altLang="en-US" sz="1000" dirty="0" smtClean="0"/>
+              <a:t>和</a:t>
+            </a:r>
+            <a:r>
+              <a:rPr lang="en-US" altLang="zh-CN" sz="1000" dirty="0" smtClean="0"/>
+              <a:t>channel</a:t>
+            </a:r>
+            <a:r>
+              <a:rPr lang="zh-CN" altLang="en-US" sz="1000" dirty="0" smtClean="0"/>
+              <a:t>进行封装</a:t>
+            </a:r>
+            <a:endParaRPr lang="en-US" altLang="zh-CN" sz="1000" dirty="0" smtClean="0"/>
+          </a:p>
+          <a:p>
+            <a:r>
+              <a:rPr lang="en-US" altLang="zh-CN" sz="1000" dirty="0" smtClean="0"/>
+              <a:t>3.</a:t>
+            </a:r>
+            <a:r>
+              <a:rPr lang="zh-CN" altLang="en-US" sz="1000" dirty="0" smtClean="0"/>
+              <a:t>向</a:t>
+            </a:r>
+            <a:r>
+              <a:rPr lang="en-US" altLang="zh-CN" sz="1000" dirty="0" err="1" smtClean="0"/>
+              <a:t>poller</a:t>
+            </a:r>
+            <a:r>
+              <a:rPr lang="zh-CN" altLang="en-US" sz="1000" dirty="0" smtClean="0"/>
+              <a:t>注</a:t>
+            </a:r>
+            <a:r>
+              <a:rPr lang="en-US" sz="1000" dirty="0" err="1" smtClean="0"/>
+              <a:t>NioSocketWrapper</a:t>
+            </a:r>
+            <a:endParaRPr lang="en-US" altLang="zh-CN" sz="1000" dirty="0" smtClean="0"/>
+          </a:p>
+          <a:p>
+            <a:r>
+              <a:rPr lang="en-US" sz="1000" dirty="0"/>
+              <a:t> </a:t>
+            </a:r>
+          </a:p>
+        </p:txBody>
+      </p:sp>
+      <p:sp>
+        <p:nvSpPr>
+          <p:cNvPr id="68" name="Rectangle 67"/>
+          <p:cNvSpPr/>
+          <p:nvPr/>
+        </p:nvSpPr>
+        <p:spPr>
+          <a:xfrm>
+            <a:off x="2030210" y="3044487"/>
+            <a:ext cx="1236363" cy="237317"/>
+          </a:xfrm>
+          <a:prstGeom prst="rect">
+            <a:avLst/>
+          </a:prstGeom>
+          <a:solidFill>
+            <a:schemeClr val="accent4">
+              <a:lumMod val="75000"/>
+            </a:schemeClr>
+          </a:solidFill>
+        </p:spPr>
+        <p:style>
+          <a:lnRef idx="2">
+            <a:schemeClr val="accent1">
+              <a:shade val="50000"/>
+            </a:schemeClr>
+          </a:lnRef>
+          <a:fillRef idx="1">
+            <a:schemeClr val="accent1"/>
+          </a:fillRef>
+          <a:effectRef idx="0">
+            <a:schemeClr val="accent1"/>
+          </a:effectRef>
+          <a:fontRef idx="minor">
+            <a:schemeClr val="lt1"/>
+          </a:fontRef>
+        </p:style>
+        <p:txBody>
+          <a:bodyPr rtlCol="0" anchor="ctr"/>
+          <a:lstStyle/>
+          <a:p>
+            <a:pPr algn="ctr"/>
+            <a:r>
+              <a:rPr lang="en-US" sz="1000" dirty="0" err="1" smtClean="0"/>
+              <a:t>NioSocketWrapper</a:t>
+            </a:r>
+            <a:endParaRPr lang="en-US" sz="1000" dirty="0"/>
+          </a:p>
+        </p:txBody>
+      </p:sp>
+      <p:sp>
+        <p:nvSpPr>
+          <p:cNvPr id="71" name="Rectangle 70"/>
+          <p:cNvSpPr/>
+          <p:nvPr/>
+        </p:nvSpPr>
+        <p:spPr>
+          <a:xfrm>
+            <a:off x="6717238" y="2570528"/>
+            <a:ext cx="1236362" cy="237317"/>
+          </a:xfrm>
+          <a:prstGeom prst="rect">
+            <a:avLst/>
+          </a:prstGeom>
+          <a:solidFill>
+            <a:schemeClr val="accent4">
+              <a:lumMod val="75000"/>
+            </a:schemeClr>
+          </a:solidFill>
+        </p:spPr>
+        <p:style>
+          <a:lnRef idx="2">
+            <a:schemeClr val="accent1">
+              <a:shade val="50000"/>
+            </a:schemeClr>
+          </a:lnRef>
+          <a:fillRef idx="1">
+            <a:schemeClr val="accent1"/>
+          </a:fillRef>
+          <a:effectRef idx="0">
+            <a:schemeClr val="accent1"/>
+          </a:effectRef>
+          <a:fontRef idx="minor">
+            <a:schemeClr val="lt1"/>
+          </a:fontRef>
+        </p:style>
+        <p:txBody>
+          <a:bodyPr rtlCol="0" anchor="ctr"/>
+          <a:lstStyle/>
+          <a:p>
+            <a:pPr algn="ctr"/>
+            <a:r>
+              <a:rPr lang="en-US" altLang="zh-CN" sz="1000" dirty="0" err="1" smtClean="0"/>
+              <a:t>SynchronizedQueue</a:t>
+            </a:r>
+            <a:endParaRPr lang="en-US" sz="1000" dirty="0"/>
+          </a:p>
+        </p:txBody>
+      </p:sp>
+      <p:sp>
+        <p:nvSpPr>
+          <p:cNvPr id="75" name="Rectangle 74"/>
+          <p:cNvSpPr/>
+          <p:nvPr/>
+        </p:nvSpPr>
+        <p:spPr>
+          <a:xfrm>
+            <a:off x="5324948" y="2567601"/>
+            <a:ext cx="782420" cy="237317"/>
+          </a:xfrm>
+          <a:prstGeom prst="rect">
+            <a:avLst/>
+          </a:prstGeom>
+          <a:solidFill>
+            <a:schemeClr val="accent6">
+              <a:lumMod val="75000"/>
+            </a:schemeClr>
+          </a:solidFill>
+        </p:spPr>
+        <p:style>
+          <a:lnRef idx="2">
+            <a:schemeClr val="accent1">
+              <a:shade val="50000"/>
+            </a:schemeClr>
+          </a:lnRef>
+          <a:fillRef idx="1">
+            <a:schemeClr val="accent1"/>
+          </a:fillRef>
+          <a:effectRef idx="0">
+            <a:schemeClr val="accent1"/>
+          </a:effectRef>
+          <a:fontRef idx="minor">
+            <a:schemeClr val="lt1"/>
+          </a:fontRef>
+        </p:style>
+        <p:txBody>
+          <a:bodyPr rtlCol="0" anchor="ctr"/>
+          <a:lstStyle/>
+          <a:p>
+            <a:pPr algn="ctr"/>
+            <a:r>
+              <a:rPr lang="en-US" altLang="zh-CN" sz="1000" dirty="0" smtClean="0"/>
+              <a:t>Add event</a:t>
+            </a:r>
+            <a:endParaRPr lang="en-US" sz="1000" dirty="0"/>
+          </a:p>
+        </p:txBody>
+      </p:sp>
+      <p:cxnSp>
+        <p:nvCxnSpPr>
+          <p:cNvPr id="77" name="Straight Arrow Connector 76"/>
+          <p:cNvCxnSpPr>
+            <a:stCxn id="75" idx="3"/>
+            <a:endCxn id="71" idx="1"/>
+          </p:cNvCxnSpPr>
+          <p:nvPr/>
+        </p:nvCxnSpPr>
+        <p:spPr>
+          <a:xfrm>
+            <a:off x="6107368" y="2686260"/>
+            <a:ext cx="609870" cy="2927"/>
+          </a:xfrm>
+          <a:prstGeom prst="straightConnector1">
+            <a:avLst/>
+          </a:prstGeom>
+          <a:ln>
+            <a:solidFill>
+              <a:schemeClr val="tx1"/>
+            </a:solidFill>
+            <a:tailEnd type="triangle"/>
+          </a:ln>
+        </p:spPr>
+        <p:style>
+          <a:lnRef idx="1">
+            <a:schemeClr val="accent1"/>
+          </a:lnRef>
+          <a:fillRef idx="0">
+            <a:schemeClr val="accent1"/>
+          </a:fillRef>
+          <a:effectRef idx="0">
+            <a:schemeClr val="accent1"/>
+          </a:effectRef>
+          <a:fontRef idx="minor">
+            <a:schemeClr val="tx1"/>
+          </a:fontRef>
+        </p:style>
+      </p:cxnSp>
+      <p:sp>
+        <p:nvSpPr>
+          <p:cNvPr id="82" name="TextBox 81"/>
+          <p:cNvSpPr txBox="1"/>
+          <p:nvPr/>
+        </p:nvSpPr>
+        <p:spPr>
+          <a:xfrm>
+            <a:off x="6193863" y="2428004"/>
+            <a:ext cx="386644" cy="246221"/>
+          </a:xfrm>
+          <a:prstGeom prst="rect">
+            <a:avLst/>
+          </a:prstGeom>
+          <a:noFill/>
+        </p:spPr>
+        <p:txBody>
+          <a:bodyPr wrap="none" rtlCol="0">
+            <a:spAutoFit/>
+          </a:bodyPr>
+          <a:lstStyle/>
+          <a:p>
+            <a:r>
+              <a:rPr lang="en-US" sz="1000" dirty="0" smtClean="0"/>
+              <a:t>pop</a:t>
+            </a:r>
+            <a:endParaRPr lang="en-US" sz="1000" dirty="0"/>
+          </a:p>
+        </p:txBody>
+      </p:sp>
+      <p:sp>
+        <p:nvSpPr>
+          <p:cNvPr id="84" name="Rectangle 83"/>
+          <p:cNvSpPr/>
+          <p:nvPr/>
+        </p:nvSpPr>
+        <p:spPr>
+          <a:xfrm>
+            <a:off x="5324948" y="3070127"/>
+            <a:ext cx="2547728" cy="2181656"/>
+          </a:xfrm>
+          <a:prstGeom prst="rect">
+            <a:avLst/>
+          </a:prstGeom>
+          <a:solidFill>
+            <a:schemeClr val="accent6">
+              <a:lumMod val="75000"/>
+            </a:schemeClr>
+          </a:solidFill>
+        </p:spPr>
+        <p:style>
+          <a:lnRef idx="2">
+            <a:schemeClr val="accent1">
+              <a:shade val="50000"/>
+            </a:schemeClr>
+          </a:lnRef>
+          <a:fillRef idx="1">
+            <a:schemeClr val="accent1"/>
+          </a:fillRef>
+          <a:effectRef idx="0">
+            <a:schemeClr val="accent1"/>
+          </a:effectRef>
+          <a:fontRef idx="minor">
+            <a:schemeClr val="lt1"/>
+          </a:fontRef>
+        </p:style>
+        <p:txBody>
+          <a:bodyPr rtlCol="0" anchor="ctr"/>
+          <a:lstStyle/>
+          <a:p>
+            <a:pPr algn="ctr"/>
+            <a:endParaRPr lang="en-US" sz="1000" dirty="0"/>
+          </a:p>
+        </p:txBody>
+      </p:sp>
+      <p:sp>
+        <p:nvSpPr>
+          <p:cNvPr id="92" name="Rectangle 91"/>
+          <p:cNvSpPr/>
+          <p:nvPr/>
+        </p:nvSpPr>
+        <p:spPr>
+          <a:xfrm>
+            <a:off x="6890619" y="3270896"/>
+            <a:ext cx="837170" cy="237317"/>
+          </a:xfrm>
+          <a:prstGeom prst="rect">
+            <a:avLst/>
+          </a:prstGeom>
+          <a:solidFill>
+            <a:schemeClr val="accent4">
+              <a:lumMod val="75000"/>
+            </a:schemeClr>
+          </a:solidFill>
+        </p:spPr>
+        <p:style>
+          <a:lnRef idx="2">
+            <a:schemeClr val="accent1">
+              <a:shade val="50000"/>
+            </a:schemeClr>
+          </a:lnRef>
+          <a:fillRef idx="1">
+            <a:schemeClr val="accent1"/>
+          </a:fillRef>
+          <a:effectRef idx="0">
+            <a:schemeClr val="accent1"/>
+          </a:effectRef>
+          <a:fontRef idx="minor">
+            <a:schemeClr val="lt1"/>
+          </a:fontRef>
+        </p:style>
+        <p:txBody>
+          <a:bodyPr rtlCol="0" anchor="ctr"/>
+          <a:lstStyle/>
+          <a:p>
+            <a:pPr algn="ctr"/>
+            <a:r>
+              <a:rPr lang="en-US" sz="1000" dirty="0" err="1" smtClean="0"/>
+              <a:t>processKey</a:t>
+            </a:r>
+            <a:endParaRPr lang="en-US" sz="1000" dirty="0"/>
+          </a:p>
+        </p:txBody>
+      </p:sp>
+      <p:cxnSp>
+        <p:nvCxnSpPr>
+          <p:cNvPr id="94" name="Straight Arrow Connector 93"/>
+          <p:cNvCxnSpPr>
+            <a:stCxn id="71" idx="2"/>
+          </p:cNvCxnSpPr>
+          <p:nvPr/>
+        </p:nvCxnSpPr>
+        <p:spPr>
+          <a:xfrm flipH="1">
+            <a:off x="7333735" y="2807845"/>
+            <a:ext cx="1684" cy="473959"/>
+          </a:xfrm>
+          <a:prstGeom prst="straightConnector1">
+            <a:avLst/>
+          </a:prstGeom>
+          <a:ln>
+            <a:solidFill>
+              <a:schemeClr val="tx1"/>
+            </a:solidFill>
+            <a:tailEnd type="triangle"/>
+          </a:ln>
+        </p:spPr>
+        <p:style>
+          <a:lnRef idx="1">
+            <a:schemeClr val="accent1"/>
+          </a:lnRef>
+          <a:fillRef idx="0">
+            <a:schemeClr val="accent1"/>
+          </a:fillRef>
+          <a:effectRef idx="0">
+            <a:schemeClr val="accent1"/>
+          </a:effectRef>
+          <a:fontRef idx="minor">
+            <a:schemeClr val="tx1"/>
+          </a:fontRef>
+        </p:style>
+      </p:cxnSp>
+      <p:sp>
+        <p:nvSpPr>
+          <p:cNvPr id="96" name="TextBox 95"/>
+          <p:cNvSpPr txBox="1"/>
+          <p:nvPr/>
+        </p:nvSpPr>
+        <p:spPr>
+          <a:xfrm>
+            <a:off x="882721" y="2160816"/>
+            <a:ext cx="906017" cy="246221"/>
+          </a:xfrm>
+          <a:prstGeom prst="rect">
+            <a:avLst/>
+          </a:prstGeom>
+          <a:noFill/>
+        </p:spPr>
+        <p:txBody>
+          <a:bodyPr wrap="none" rtlCol="0">
+            <a:spAutoFit/>
+          </a:bodyPr>
+          <a:lstStyle/>
+          <a:p>
+            <a:r>
+              <a:rPr lang="en-US" sz="1000" dirty="0" smtClean="0"/>
+              <a:t>Create Socket</a:t>
+            </a:r>
+            <a:endParaRPr lang="en-US" sz="1000" dirty="0"/>
+          </a:p>
+        </p:txBody>
+      </p:sp>
+      <p:sp>
+        <p:nvSpPr>
+          <p:cNvPr id="98" name="Rectangle 97"/>
+          <p:cNvSpPr/>
+          <p:nvPr/>
+        </p:nvSpPr>
+        <p:spPr>
+          <a:xfrm>
+            <a:off x="5632813" y="3270895"/>
+            <a:ext cx="993011" cy="237317"/>
+          </a:xfrm>
+          <a:prstGeom prst="rect">
+            <a:avLst/>
+          </a:prstGeom>
+          <a:solidFill>
+            <a:schemeClr val="accent4">
+              <a:lumMod val="75000"/>
+            </a:schemeClr>
+          </a:solidFill>
+        </p:spPr>
+        <p:style>
+          <a:lnRef idx="2">
+            <a:schemeClr val="accent1">
+              <a:shade val="50000"/>
+            </a:schemeClr>
+          </a:lnRef>
+          <a:fillRef idx="1">
+            <a:schemeClr val="accent1"/>
+          </a:fillRef>
+          <a:effectRef idx="0">
+            <a:schemeClr val="accent1"/>
+          </a:effectRef>
+          <a:fontRef idx="minor">
+            <a:schemeClr val="lt1"/>
+          </a:fontRef>
+        </p:style>
+        <p:txBody>
+          <a:bodyPr rtlCol="0" anchor="ctr"/>
+          <a:lstStyle/>
+          <a:p>
+            <a:pPr algn="ctr"/>
+            <a:r>
+              <a:rPr lang="en-US" sz="1000" dirty="0" err="1" smtClean="0"/>
+              <a:t>processSocket</a:t>
+            </a:r>
+            <a:endParaRPr lang="en-US" sz="1000" dirty="0"/>
+          </a:p>
+        </p:txBody>
+      </p:sp>
+      <p:sp>
+        <p:nvSpPr>
+          <p:cNvPr id="99" name="Rectangle 98"/>
+          <p:cNvSpPr/>
+          <p:nvPr/>
+        </p:nvSpPr>
+        <p:spPr>
+          <a:xfrm>
+            <a:off x="5632813" y="3721071"/>
+            <a:ext cx="2057398" cy="237317"/>
+          </a:xfrm>
+          <a:prstGeom prst="rect">
+            <a:avLst/>
+          </a:prstGeom>
+          <a:solidFill>
+            <a:schemeClr val="accent4">
+              <a:lumMod val="75000"/>
+            </a:schemeClr>
+          </a:solidFill>
+        </p:spPr>
+        <p:style>
+          <a:lnRef idx="2">
+            <a:schemeClr val="accent1">
+              <a:shade val="50000"/>
+            </a:schemeClr>
+          </a:lnRef>
+          <a:fillRef idx="1">
+            <a:schemeClr val="accent1"/>
+          </a:fillRef>
+          <a:effectRef idx="0">
+            <a:schemeClr val="accent1"/>
+          </a:effectRef>
+          <a:fontRef idx="minor">
+            <a:schemeClr val="lt1"/>
+          </a:fontRef>
+        </p:style>
+        <p:txBody>
+          <a:bodyPr rtlCol="0" anchor="ctr"/>
+          <a:lstStyle/>
+          <a:p>
+            <a:pPr algn="ctr"/>
+            <a:r>
+              <a:rPr lang="en-US" sz="1000" dirty="0" err="1" smtClean="0"/>
+              <a:t>SocketProcessorBase</a:t>
+            </a:r>
+            <a:endParaRPr lang="en-US" sz="1000" dirty="0"/>
+          </a:p>
+        </p:txBody>
+      </p:sp>
+      <p:cxnSp>
+        <p:nvCxnSpPr>
+          <p:cNvPr id="101" name="Straight Arrow Connector 100"/>
+          <p:cNvCxnSpPr>
+            <a:stCxn id="92" idx="1"/>
+            <a:endCxn id="98" idx="3"/>
+          </p:cNvCxnSpPr>
+          <p:nvPr/>
+        </p:nvCxnSpPr>
+        <p:spPr>
+          <a:xfrm flipH="1" flipV="1">
+            <a:off x="6625824" y="3389554"/>
+            <a:ext cx="264795" cy="1"/>
+          </a:xfrm>
+          <a:prstGeom prst="straightConnector1">
+            <a:avLst/>
+          </a:prstGeom>
+          <a:ln>
+            <a:solidFill>
+              <a:schemeClr val="tx1"/>
+            </a:solidFill>
+            <a:tailEnd type="triangle"/>
+          </a:ln>
+        </p:spPr>
+        <p:style>
+          <a:lnRef idx="1">
+            <a:schemeClr val="accent1"/>
+          </a:lnRef>
+          <a:fillRef idx="0">
+            <a:schemeClr val="accent1"/>
+          </a:fillRef>
+          <a:effectRef idx="0">
+            <a:schemeClr val="accent1"/>
+          </a:effectRef>
+          <a:fontRef idx="minor">
+            <a:schemeClr val="tx1"/>
+          </a:fontRef>
+        </p:style>
+      </p:cxnSp>
+      <p:cxnSp>
+        <p:nvCxnSpPr>
+          <p:cNvPr id="103" name="Straight Arrow Connector 102"/>
+          <p:cNvCxnSpPr/>
+          <p:nvPr/>
+        </p:nvCxnSpPr>
+        <p:spPr>
+          <a:xfrm>
+            <a:off x="6107368" y="3508212"/>
+            <a:ext cx="0" cy="212859"/>
+          </a:xfrm>
+          <a:prstGeom prst="straightConnector1">
+            <a:avLst/>
+          </a:prstGeom>
+          <a:ln>
+            <a:solidFill>
+              <a:schemeClr val="tx1"/>
+            </a:solidFill>
+            <a:tailEnd type="triangle"/>
+          </a:ln>
+        </p:spPr>
+        <p:style>
+          <a:lnRef idx="1">
+            <a:schemeClr val="accent1"/>
+          </a:lnRef>
+          <a:fillRef idx="0">
+            <a:schemeClr val="accent1"/>
+          </a:fillRef>
+          <a:effectRef idx="0">
+            <a:schemeClr val="accent1"/>
+          </a:effectRef>
+          <a:fontRef idx="minor">
+            <a:schemeClr val="tx1"/>
+          </a:fontRef>
+        </p:style>
+      </p:cxnSp>
+      <p:sp>
+        <p:nvSpPr>
+          <p:cNvPr id="105" name="Rectangle 104"/>
+          <p:cNvSpPr/>
+          <p:nvPr/>
+        </p:nvSpPr>
+        <p:spPr>
+          <a:xfrm>
+            <a:off x="5535827" y="4171246"/>
+            <a:ext cx="2236574" cy="855981"/>
+          </a:xfrm>
+          <a:prstGeom prst="rect">
+            <a:avLst/>
+          </a:prstGeom>
+          <a:solidFill>
+            <a:schemeClr val="bg2"/>
+          </a:solidFill>
+        </p:spPr>
+        <p:style>
+          <a:lnRef idx="2">
+            <a:schemeClr val="accent1">
+              <a:shade val="50000"/>
+            </a:schemeClr>
+          </a:lnRef>
+          <a:fillRef idx="1">
+            <a:schemeClr val="accent1"/>
+          </a:fillRef>
+          <a:effectRef idx="0">
+            <a:schemeClr val="accent1"/>
+          </a:effectRef>
+          <a:fontRef idx="minor">
+            <a:schemeClr val="lt1"/>
+          </a:fontRef>
+        </p:style>
+        <p:txBody>
+          <a:bodyPr rtlCol="0" anchor="ctr"/>
+          <a:lstStyle/>
+          <a:p>
+            <a:r>
+              <a:rPr lang="en-US" altLang="zh-CN" sz="1000" dirty="0" smtClean="0">
+                <a:solidFill>
+                  <a:schemeClr val="tx1"/>
+                </a:solidFill>
+              </a:rPr>
+              <a:t>1. </a:t>
+            </a:r>
+            <a:r>
+              <a:rPr lang="zh-CN" altLang="en-US" sz="1000" dirty="0" smtClean="0">
+                <a:solidFill>
+                  <a:schemeClr val="tx1"/>
+                </a:solidFill>
+              </a:rPr>
+              <a:t>循环事件队列汇总获取</a:t>
+            </a:r>
+            <a:r>
+              <a:rPr lang="en-US" altLang="zh-CN" sz="1000" dirty="0" err="1" smtClean="0">
+                <a:solidFill>
+                  <a:schemeClr val="tx1"/>
+                </a:solidFill>
+              </a:rPr>
+              <a:t>socker</a:t>
+            </a:r>
+            <a:r>
+              <a:rPr lang="zh-CN" altLang="en-US" sz="1000" dirty="0" smtClean="0">
+                <a:solidFill>
+                  <a:schemeClr val="tx1"/>
+                </a:solidFill>
+              </a:rPr>
+              <a:t>事件 ，</a:t>
+            </a:r>
+            <a:endParaRPr lang="en-US" altLang="zh-CN" sz="1000" dirty="0" smtClean="0">
+              <a:solidFill>
+                <a:schemeClr val="tx1"/>
+              </a:solidFill>
+            </a:endParaRPr>
+          </a:p>
+          <a:p>
+            <a:r>
+              <a:rPr lang="en-US" altLang="zh-CN" sz="1000" dirty="0" smtClean="0">
+                <a:solidFill>
+                  <a:schemeClr val="tx1"/>
+                </a:solidFill>
+              </a:rPr>
+              <a:t>2.</a:t>
+            </a:r>
+            <a:r>
+              <a:rPr lang="zh-CN" altLang="en-US" sz="1000" dirty="0">
+                <a:solidFill>
+                  <a:schemeClr val="tx1"/>
+                </a:solidFill>
+              </a:rPr>
+              <a:t> </a:t>
+            </a:r>
+            <a:r>
+              <a:rPr lang="zh-CN" altLang="en-US" sz="1000" dirty="0" smtClean="0">
+                <a:solidFill>
+                  <a:schemeClr val="tx1"/>
+                </a:solidFill>
+              </a:rPr>
+              <a:t>将</a:t>
+            </a:r>
+            <a:r>
+              <a:rPr lang="en-US" altLang="zh-CN" sz="1000" dirty="0" err="1" smtClean="0">
+                <a:solidFill>
+                  <a:schemeClr val="tx1"/>
+                </a:solidFill>
+              </a:rPr>
+              <a:t>socker</a:t>
+            </a:r>
+            <a:r>
+              <a:rPr lang="en-US" altLang="zh-CN" sz="1000" dirty="0" smtClean="0">
+                <a:solidFill>
+                  <a:schemeClr val="tx1"/>
+                </a:solidFill>
+              </a:rPr>
+              <a:t> </a:t>
+            </a:r>
+            <a:r>
+              <a:rPr lang="zh-CN" altLang="en-US" sz="1000" dirty="0" smtClean="0">
+                <a:solidFill>
+                  <a:schemeClr val="tx1"/>
+                </a:solidFill>
+              </a:rPr>
+              <a:t>封装成</a:t>
+            </a:r>
+            <a:r>
+              <a:rPr lang="en-US" sz="1000" dirty="0" err="1" smtClean="0">
+                <a:solidFill>
+                  <a:schemeClr val="tx1"/>
+                </a:solidFill>
+              </a:rPr>
+              <a:t>SocketProcessor</a:t>
+            </a:r>
+            <a:endParaRPr lang="en-US" altLang="zh-CN" sz="1000" dirty="0" smtClean="0">
+              <a:solidFill>
+                <a:schemeClr val="tx1"/>
+              </a:solidFill>
+            </a:endParaRPr>
+          </a:p>
+          <a:p>
+            <a:r>
+              <a:rPr lang="en-US" altLang="zh-CN" sz="1000" dirty="0" smtClean="0">
+                <a:solidFill>
+                  <a:schemeClr val="tx1"/>
+                </a:solidFill>
+              </a:rPr>
+              <a:t>3.</a:t>
+            </a:r>
+            <a:r>
+              <a:rPr lang="zh-CN" altLang="en-US" sz="1000" dirty="0">
+                <a:solidFill>
+                  <a:schemeClr val="tx1"/>
+                </a:solidFill>
+              </a:rPr>
+              <a:t> </a:t>
+            </a:r>
+            <a:r>
+              <a:rPr lang="zh-CN" altLang="en-US" sz="1000" dirty="0" smtClean="0">
+                <a:solidFill>
+                  <a:schemeClr val="tx1"/>
+                </a:solidFill>
+              </a:rPr>
+              <a:t>将</a:t>
+            </a:r>
+            <a:r>
+              <a:rPr lang="en-US" sz="1000" dirty="0" err="1" smtClean="0">
+                <a:solidFill>
+                  <a:schemeClr val="tx1"/>
+                </a:solidFill>
+              </a:rPr>
+              <a:t>SocketProcessor</a:t>
+            </a:r>
+            <a:r>
+              <a:rPr lang="zh-CN" altLang="en-US" sz="1000" dirty="0" smtClean="0">
+                <a:solidFill>
+                  <a:schemeClr val="tx1"/>
+                </a:solidFill>
+              </a:rPr>
+              <a:t>交给工作线程池进行处理</a:t>
+            </a:r>
+            <a:endParaRPr lang="en-US" altLang="zh-CN" sz="1000" dirty="0" smtClean="0">
+              <a:solidFill>
+                <a:schemeClr val="tx1"/>
+              </a:solidFill>
+            </a:endParaRPr>
+          </a:p>
+        </p:txBody>
+      </p:sp>
+      <p:sp>
+        <p:nvSpPr>
+          <p:cNvPr id="110" name="Rectangle 109"/>
+          <p:cNvSpPr/>
+          <p:nvPr/>
+        </p:nvSpPr>
+        <p:spPr>
+          <a:xfrm>
+            <a:off x="9426620" y="2330284"/>
+            <a:ext cx="2057398" cy="237317"/>
+          </a:xfrm>
+          <a:prstGeom prst="rect">
+            <a:avLst/>
+          </a:prstGeom>
+          <a:solidFill>
+            <a:schemeClr val="accent4">
+              <a:lumMod val="75000"/>
+            </a:schemeClr>
+          </a:solidFill>
+        </p:spPr>
+        <p:style>
+          <a:lnRef idx="2">
+            <a:schemeClr val="accent1">
+              <a:shade val="50000"/>
+            </a:schemeClr>
+          </a:lnRef>
+          <a:fillRef idx="1">
+            <a:schemeClr val="accent1"/>
+          </a:fillRef>
+          <a:effectRef idx="0">
+            <a:schemeClr val="accent1"/>
+          </a:effectRef>
+          <a:fontRef idx="minor">
+            <a:schemeClr val="lt1"/>
+          </a:fontRef>
+        </p:style>
+        <p:txBody>
+          <a:bodyPr rtlCol="0" anchor="ctr"/>
+          <a:lstStyle/>
+          <a:p>
+            <a:pPr algn="ctr"/>
+            <a:r>
+              <a:rPr lang="en-US" altLang="zh-CN" sz="1000" dirty="0" err="1" smtClean="0"/>
+              <a:t>AbstractProtocol.processor</a:t>
+            </a:r>
+            <a:endParaRPr lang="en-US" sz="1000" dirty="0"/>
+          </a:p>
+        </p:txBody>
+      </p:sp>
+      <p:sp>
+        <p:nvSpPr>
+          <p:cNvPr id="111" name="Rectangle 110"/>
+          <p:cNvSpPr/>
+          <p:nvPr/>
+        </p:nvSpPr>
+        <p:spPr>
+          <a:xfrm>
+            <a:off x="9426620" y="2772164"/>
+            <a:ext cx="2057398" cy="237317"/>
+          </a:xfrm>
+          <a:prstGeom prst="rect">
+            <a:avLst/>
+          </a:prstGeom>
+          <a:solidFill>
+            <a:schemeClr val="accent4">
+              <a:lumMod val="75000"/>
+            </a:schemeClr>
+          </a:solidFill>
+        </p:spPr>
+        <p:style>
+          <a:lnRef idx="2">
+            <a:schemeClr val="accent1">
+              <a:shade val="50000"/>
+            </a:schemeClr>
+          </a:lnRef>
+          <a:fillRef idx="1">
+            <a:schemeClr val="accent1"/>
+          </a:fillRef>
+          <a:effectRef idx="0">
+            <a:schemeClr val="accent1"/>
+          </a:effectRef>
+          <a:fontRef idx="minor">
+            <a:schemeClr val="lt1"/>
+          </a:fontRef>
+        </p:style>
+        <p:txBody>
+          <a:bodyPr rtlCol="0" anchor="ctr"/>
+          <a:lstStyle/>
+          <a:p>
+            <a:pPr algn="ctr"/>
+            <a:r>
+              <a:rPr lang="en-US" altLang="zh-CN" sz="1000" dirty="0" smtClean="0"/>
+              <a:t>Http11Processor</a:t>
+            </a:r>
+            <a:endParaRPr lang="en-US" sz="1000" dirty="0"/>
+          </a:p>
+        </p:txBody>
+      </p:sp>
+      <p:sp>
+        <p:nvSpPr>
+          <p:cNvPr id="112" name="Rectangle 111"/>
+          <p:cNvSpPr/>
+          <p:nvPr/>
+        </p:nvSpPr>
+        <p:spPr>
+          <a:xfrm>
+            <a:off x="9426620" y="3258804"/>
+            <a:ext cx="2057398" cy="237317"/>
+          </a:xfrm>
+          <a:prstGeom prst="rect">
+            <a:avLst/>
+          </a:prstGeom>
+          <a:solidFill>
+            <a:schemeClr val="accent4">
+              <a:lumMod val="75000"/>
+            </a:schemeClr>
+          </a:solidFill>
+        </p:spPr>
+        <p:style>
+          <a:lnRef idx="2">
+            <a:schemeClr val="accent1">
+              <a:shade val="50000"/>
+            </a:schemeClr>
+          </a:lnRef>
+          <a:fillRef idx="1">
+            <a:schemeClr val="accent1"/>
+          </a:fillRef>
+          <a:effectRef idx="0">
+            <a:schemeClr val="accent1"/>
+          </a:effectRef>
+          <a:fontRef idx="minor">
+            <a:schemeClr val="lt1"/>
+          </a:fontRef>
+        </p:style>
+        <p:txBody>
+          <a:bodyPr rtlCol="0" anchor="ctr"/>
+          <a:lstStyle/>
+          <a:p>
+            <a:pPr algn="ctr"/>
+            <a:r>
+              <a:rPr lang="en-US" altLang="zh-CN" sz="1000" dirty="0" smtClean="0"/>
+              <a:t>Http11Processor. </a:t>
+            </a:r>
+            <a:r>
+              <a:rPr lang="en-US" altLang="zh-CN" sz="1000" dirty="0" err="1" smtClean="0"/>
+              <a:t>prepareRequest</a:t>
+            </a:r>
+            <a:r>
+              <a:rPr lang="en-US" altLang="zh-CN" sz="1000" dirty="0" smtClean="0"/>
+              <a:t>()</a:t>
+            </a:r>
+            <a:endParaRPr lang="en-US" sz="1000" dirty="0"/>
+          </a:p>
+        </p:txBody>
+      </p:sp>
+      <p:sp>
+        <p:nvSpPr>
+          <p:cNvPr id="37" name="Rectangle 36"/>
+          <p:cNvSpPr/>
+          <p:nvPr/>
+        </p:nvSpPr>
+        <p:spPr>
+          <a:xfrm>
+            <a:off x="9426620" y="3704212"/>
+            <a:ext cx="2057398" cy="237317"/>
+          </a:xfrm>
+          <a:prstGeom prst="rect">
+            <a:avLst/>
+          </a:prstGeom>
+          <a:solidFill>
+            <a:schemeClr val="accent4">
+              <a:lumMod val="75000"/>
+            </a:schemeClr>
+          </a:solidFill>
+        </p:spPr>
+        <p:style>
+          <a:lnRef idx="2">
+            <a:schemeClr val="accent1">
+              <a:shade val="50000"/>
+            </a:schemeClr>
+          </a:lnRef>
+          <a:fillRef idx="1">
+            <a:schemeClr val="accent1"/>
+          </a:fillRef>
+          <a:effectRef idx="0">
+            <a:schemeClr val="accent1"/>
+          </a:effectRef>
+          <a:fontRef idx="minor">
+            <a:schemeClr val="lt1"/>
+          </a:fontRef>
+        </p:style>
+        <p:txBody>
+          <a:bodyPr rtlCol="0" anchor="ctr"/>
+          <a:lstStyle/>
+          <a:p>
+            <a:pPr algn="ctr"/>
+            <a:r>
+              <a:rPr lang="en-US" altLang="zh-CN" sz="1000" dirty="0" err="1" smtClean="0"/>
+              <a:t>CoyoteAdapter</a:t>
+            </a:r>
+            <a:r>
+              <a:rPr lang="en-US" altLang="zh-CN" sz="1000" dirty="0" smtClean="0"/>
+              <a:t>. service(</a:t>
+            </a:r>
+            <a:r>
+              <a:rPr lang="en-US" altLang="zh-CN" sz="1000" dirty="0" err="1" smtClean="0"/>
+              <a:t>req,res</a:t>
+            </a:r>
+            <a:r>
+              <a:rPr lang="en-US" altLang="zh-CN" sz="1000" dirty="0" smtClean="0"/>
+              <a:t>)</a:t>
+            </a:r>
+            <a:endParaRPr lang="en-US" sz="1000" dirty="0"/>
+          </a:p>
+        </p:txBody>
+      </p:sp>
+      <p:sp>
+        <p:nvSpPr>
+          <p:cNvPr id="39" name="Rectangle 38"/>
+          <p:cNvSpPr/>
+          <p:nvPr/>
+        </p:nvSpPr>
+        <p:spPr>
+          <a:xfrm>
+            <a:off x="9426620" y="4735043"/>
+            <a:ext cx="2057398" cy="237317"/>
+          </a:xfrm>
+          <a:prstGeom prst="rect">
+            <a:avLst/>
+          </a:prstGeom>
+          <a:solidFill>
+            <a:schemeClr val="accent4">
+              <a:lumMod val="75000"/>
+            </a:schemeClr>
+          </a:solidFill>
+        </p:spPr>
+        <p:style>
+          <a:lnRef idx="2">
+            <a:schemeClr val="accent1">
+              <a:shade val="50000"/>
+            </a:schemeClr>
+          </a:lnRef>
+          <a:fillRef idx="1">
+            <a:schemeClr val="accent1"/>
+          </a:fillRef>
+          <a:effectRef idx="0">
+            <a:schemeClr val="accent1"/>
+          </a:effectRef>
+          <a:fontRef idx="minor">
+            <a:schemeClr val="lt1"/>
+          </a:fontRef>
+        </p:style>
+        <p:txBody>
+          <a:bodyPr rtlCol="0" anchor="ctr"/>
+          <a:lstStyle/>
+          <a:p>
+            <a:pPr algn="ctr"/>
+            <a:r>
+              <a:rPr lang="zh-CN" altLang="en-US" sz="1000" dirty="0" smtClean="0"/>
+              <a:t>返回响应数据</a:t>
+            </a:r>
+            <a:endParaRPr lang="en-US" sz="1000" dirty="0"/>
+          </a:p>
+        </p:txBody>
+      </p:sp>
+      <p:sp>
+        <p:nvSpPr>
+          <p:cNvPr id="40" name="Rectangle 39"/>
+          <p:cNvSpPr/>
+          <p:nvPr/>
+        </p:nvSpPr>
+        <p:spPr>
+          <a:xfrm>
+            <a:off x="9426620" y="4233362"/>
+            <a:ext cx="2057398" cy="237317"/>
+          </a:xfrm>
+          <a:prstGeom prst="rect">
+            <a:avLst/>
+          </a:prstGeom>
+          <a:solidFill>
+            <a:schemeClr val="accent4">
+              <a:lumMod val="75000"/>
+            </a:schemeClr>
+          </a:solidFill>
+        </p:spPr>
+        <p:style>
+          <a:lnRef idx="2">
+            <a:schemeClr val="accent1">
+              <a:shade val="50000"/>
+            </a:schemeClr>
+          </a:lnRef>
+          <a:fillRef idx="1">
+            <a:schemeClr val="accent1"/>
+          </a:fillRef>
+          <a:effectRef idx="0">
+            <a:schemeClr val="accent1"/>
+          </a:effectRef>
+          <a:fontRef idx="minor">
+            <a:schemeClr val="lt1"/>
+          </a:fontRef>
+        </p:style>
+        <p:txBody>
+          <a:bodyPr rtlCol="0" anchor="ctr"/>
+          <a:lstStyle/>
+          <a:p>
+            <a:pPr algn="ctr"/>
+            <a:r>
+              <a:rPr lang="en-US" altLang="zh-CN" sz="1000" dirty="0" err="1" smtClean="0"/>
+              <a:t>Sevlet</a:t>
+            </a:r>
+            <a:endParaRPr lang="en-US" sz="1000" dirty="0"/>
           </a:p>
         </p:txBody>
       </p:sp>
@@ -3481,6 +4834,67 @@
     <p:extLst>
       <p:ext uri="{BB962C8B-B14F-4D97-AF65-F5344CB8AC3E}">
         <p14:creationId xmlns:p14="http://schemas.microsoft.com/office/powerpoint/2010/main" val="2368197928"/>
+      </p:ext>
+    </p:extLst>
+  </p:cSld>
+  <p:clrMapOvr>
+    <a:masterClrMapping/>
+  </p:clrMapOvr>
+  <p:timing>
+    <p:tnLst>
+      <p:par>
+        <p:cTn id="1" dur="indefinite" restart="never" nodeType="tmRoot"/>
+      </p:par>
+    </p:tnLst>
+  </p:timing>
+</p:sld>
+</file>
+
+<file path=ppt/slides/slide2.xml><?xml version="1.0" encoding="utf-8"?>
+<p:sld xmlns:a="http://schemas.openxmlformats.org/drawingml/2006/main" xmlns:r="http://schemas.openxmlformats.org/officeDocument/2006/relationships" xmlns:p="http://schemas.openxmlformats.org/presentationml/2006/main">
+  <p:cSld>
+    <p:spTree>
+      <p:nvGrpSpPr>
+        <p:cNvPr id="1" name=""/>
+        <p:cNvGrpSpPr/>
+        <p:nvPr/>
+      </p:nvGrpSpPr>
+      <p:grpSpPr>
+        <a:xfrm>
+          <a:off x="0" y="0"/>
+          <a:ext cx="0" cy="0"/>
+          <a:chOff x="0" y="0"/>
+          <a:chExt cx="0" cy="0"/>
+        </a:xfrm>
+      </p:grpSpPr>
+      <p:pic>
+        <p:nvPicPr>
+          <p:cNvPr id="2" name="Picture 1"/>
+          <p:cNvPicPr>
+            <a:picLocks noChangeAspect="1"/>
+          </p:cNvPicPr>
+          <p:nvPr/>
+        </p:nvPicPr>
+        <p:blipFill>
+          <a:blip r:embed="rId2"/>
+          <a:stretch>
+            <a:fillRect/>
+          </a:stretch>
+        </p:blipFill>
+        <p:spPr>
+          <a:xfrm>
+            <a:off x="3818149" y="288758"/>
+            <a:ext cx="7906625" cy="4384222"/>
+          </a:xfrm>
+          <a:prstGeom prst="rect">
+            <a:avLst/>
+          </a:prstGeom>
+        </p:spPr>
+      </p:pic>
+    </p:spTree>
+    <p:extLst>
+      <p:ext uri="{BB962C8B-B14F-4D97-AF65-F5344CB8AC3E}">
+        <p14:creationId xmlns:p14="http://schemas.microsoft.com/office/powerpoint/2010/main" val="1918165681"/>
       </p:ext>
     </p:extLst>
   </p:cSld>
